--- a/Documents/Grupo13_Poster.pptx
+++ b/Documents/Grupo13_Poster.pptx
@@ -3090,7 +3090,7 @@
         <p:spPr>
           <a:xfrm>
             <a:off x="1525680" y="19916280"/>
-            <a:ext cx="5646600" cy="470520"/>
+            <a:ext cx="5646600" cy="3142484"/>
           </a:xfrm>
           <a:prstGeom prst="rect">
             <a:avLst/>
@@ -3124,15 +3124,127 @@
               </a:lnSpc>
             </a:pPr>
             <a:r>
-              <a:rPr lang="pt-PT" sz="2400" b="0" strike="noStrike" spc="-1">
+              <a:rPr lang="pt-PT" sz="2400" b="0" strike="noStrike" spc="-1" dirty="0" err="1">
                 <a:solidFill>
                   <a:srgbClr val="004B87"/>
                 </a:solidFill>
                 <a:latin typeface="Calibri"/>
               </a:rPr>
-              <a:t>Write here...</a:t>
-            </a:r>
-            <a:endParaRPr lang="en-US" sz="2400" b="0" strike="noStrike" spc="-1">
+              <a:t>Write</a:t>
+            </a:r>
+            <a:r>
+              <a:rPr lang="pt-PT" sz="2400" b="0" strike="noStrike" spc="-1" dirty="0">
+                <a:solidFill>
+                  <a:srgbClr val="004B87"/>
+                </a:solidFill>
+                <a:latin typeface="Calibri"/>
+              </a:rPr>
+              <a:t> </a:t>
+            </a:r>
+            <a:r>
+              <a:rPr lang="pt-PT" sz="2400" b="0" strike="noStrike" spc="-1" dirty="0" err="1">
+                <a:solidFill>
+                  <a:srgbClr val="004B87"/>
+                </a:solidFill>
+                <a:latin typeface="Calibri"/>
+              </a:rPr>
+              <a:t>here</a:t>
+            </a:r>
+            <a:r>
+              <a:rPr lang="pt-PT" sz="2400" b="0" strike="noStrike" spc="-1" dirty="0">
+                <a:solidFill>
+                  <a:srgbClr val="004B87"/>
+                </a:solidFill>
+                <a:latin typeface="Calibri"/>
+              </a:rPr>
+              <a:t>...</a:t>
+            </a:r>
+          </a:p>
+          <a:p>
+            <a:pPr algn="just">
+              <a:lnSpc>
+                <a:spcPts val="2999"/>
+              </a:lnSpc>
+            </a:pPr>
+            <a:endParaRPr lang="pt-PT" sz="2400" spc="-1" dirty="0">
+              <a:solidFill>
+                <a:srgbClr val="004B87"/>
+              </a:solidFill>
+              <a:latin typeface="Calibri"/>
+            </a:endParaRPr>
+          </a:p>
+          <a:p>
+            <a:pPr algn="just">
+              <a:lnSpc>
+                <a:spcPts val="2999"/>
+              </a:lnSpc>
+            </a:pPr>
+            <a:endParaRPr lang="pt-PT" sz="2400" b="0" strike="noStrike" spc="-1" dirty="0">
+              <a:solidFill>
+                <a:srgbClr val="004B87"/>
+              </a:solidFill>
+              <a:latin typeface="Calibri"/>
+            </a:endParaRPr>
+          </a:p>
+          <a:p>
+            <a:pPr algn="just">
+              <a:lnSpc>
+                <a:spcPts val="2999"/>
+              </a:lnSpc>
+            </a:pPr>
+            <a:endParaRPr lang="pt-PT" sz="2400" spc="-1" dirty="0">
+              <a:solidFill>
+                <a:srgbClr val="004B87"/>
+              </a:solidFill>
+              <a:latin typeface="Calibri"/>
+            </a:endParaRPr>
+          </a:p>
+          <a:p>
+            <a:pPr algn="just">
+              <a:lnSpc>
+                <a:spcPts val="2999"/>
+              </a:lnSpc>
+            </a:pPr>
+            <a:endParaRPr lang="pt-PT" sz="2400" b="0" strike="noStrike" spc="-1" dirty="0">
+              <a:solidFill>
+                <a:srgbClr val="004B87"/>
+              </a:solidFill>
+              <a:latin typeface="Calibri"/>
+            </a:endParaRPr>
+          </a:p>
+          <a:p>
+            <a:pPr algn="just">
+              <a:lnSpc>
+                <a:spcPts val="2999"/>
+              </a:lnSpc>
+            </a:pPr>
+            <a:endParaRPr lang="pt-PT" sz="2400" spc="-1" dirty="0">
+              <a:solidFill>
+                <a:srgbClr val="004B87"/>
+              </a:solidFill>
+              <a:latin typeface="Calibri"/>
+            </a:endParaRPr>
+          </a:p>
+          <a:p>
+            <a:pPr algn="just">
+              <a:lnSpc>
+                <a:spcPts val="2999"/>
+              </a:lnSpc>
+            </a:pPr>
+            <a:endParaRPr lang="pt-PT" sz="2400" b="0" strike="noStrike" spc="-1" dirty="0">
+              <a:solidFill>
+                <a:srgbClr val="004B87"/>
+              </a:solidFill>
+              <a:latin typeface="Calibri"/>
+            </a:endParaRPr>
+          </a:p>
+          <a:p>
+            <a:pPr algn="just">
+              <a:lnSpc>
+                <a:spcPts val="2999"/>
+              </a:lnSpc>
+            </a:pPr>
+            <a:endParaRPr lang="en-US" sz="2400" b="0" strike="noStrike" spc="-1" dirty="0">
               <a:latin typeface="Arial"/>
             </a:endParaRPr>
           </a:p>
@@ -3181,15 +3293,42 @@
               </a:lnSpc>
             </a:pPr>
             <a:r>
-              <a:rPr lang="pt-PT" sz="2400" b="0" strike="noStrike" spc="-1">
+              <a:rPr lang="pt-PT" sz="2400" b="0" strike="noStrike" spc="-1" dirty="0" err="1">
                 <a:solidFill>
                   <a:srgbClr val="004B87"/>
                 </a:solidFill>
                 <a:latin typeface="Calibri"/>
               </a:rPr>
-              <a:t>Write here...</a:t>
-            </a:r>
-            <a:endParaRPr lang="en-US" sz="2400" b="0" strike="noStrike" spc="-1">
+              <a:t>Write</a:t>
+            </a:r>
+            <a:r>
+              <a:rPr lang="pt-PT" sz="2400" b="0" strike="noStrike" spc="-1" dirty="0">
+                <a:solidFill>
+                  <a:srgbClr val="004B87"/>
+                </a:solidFill>
+                <a:latin typeface="Calibri"/>
+              </a:rPr>
+              <a:t> </a:t>
+            </a:r>
+            <a:r>
+              <a:rPr lang="pt-PT" sz="2400" b="0" strike="noStrike" spc="-1" dirty="0" err="1">
+                <a:solidFill>
+                  <a:srgbClr val="004B87"/>
+                </a:solidFill>
+                <a:latin typeface="Calibri"/>
+              </a:rPr>
+              <a:t>here</a:t>
+            </a:r>
+            <a:r>
+              <a:rPr lang="pt-PT" sz="2400" b="0" strike="noStrike" spc="-1" dirty="0">
+                <a:solidFill>
+                  <a:srgbClr val="004B87"/>
+                </a:solidFill>
+                <a:latin typeface="Calibri"/>
+              </a:rPr>
+              <a:t>...</a:t>
+            </a:r>
+            <a:endParaRPr lang="en-US" sz="2400" b="0" strike="noStrike" spc="-1" dirty="0">
               <a:latin typeface="Arial"/>
             </a:endParaRPr>
           </a:p>
@@ -3385,7 +3524,7 @@
         <p:spPr>
           <a:xfrm>
             <a:off x="1525680" y="5771880"/>
-            <a:ext cx="5151240" cy="471240"/>
+            <a:ext cx="5151240" cy="5077309"/>
           </a:xfrm>
           <a:prstGeom prst="rect">
             <a:avLst/>
@@ -3413,23 +3552,61 @@
           </a:bodyPr>
           <a:lstStyle/>
           <a:p>
-            <a:pPr algn="just">
+            <a:pPr marL="360" algn="just">
               <a:lnSpc>
                 <a:spcPts val="2999"/>
               </a:lnSpc>
+              <a:buClr>
+                <a:srgbClr val="004B87"/>
+              </a:buClr>
             </a:pPr>
             <a:r>
-              <a:rPr lang="pt-PT" sz="2400" b="0" strike="noStrike" spc="-1">
+              <a:rPr lang="en-US" sz="2400" spc="-1" dirty="0">
                 <a:solidFill>
                   <a:srgbClr val="004B87"/>
                 </a:solidFill>
                 <a:latin typeface="Calibri"/>
               </a:rPr>
-              <a:t>Write here...</a:t>
-            </a:r>
-            <a:endParaRPr lang="en-US" sz="2400" b="0" strike="noStrike" spc="-1">
-              <a:latin typeface="Arial"/>
-            </a:endParaRPr>
+              <a:t>The property sector is one of the fundamental pillars of the global economy, representing a significant portion of the world's investment and wealth.</a:t>
+            </a:r>
+          </a:p>
+          <a:p>
+            <a:pPr marL="360" algn="just">
+              <a:lnSpc>
+                <a:spcPts val="2999"/>
+              </a:lnSpc>
+              <a:buClr>
+                <a:srgbClr val="004B87"/>
+              </a:buClr>
+            </a:pPr>
+            <a:r>
+              <a:rPr lang="en-US" sz="2400" spc="-1" dirty="0">
+                <a:solidFill>
+                  <a:srgbClr val="004B87"/>
+                </a:solidFill>
+                <a:latin typeface="Calibri"/>
+              </a:rPr>
+              <a:t>For decades, buying, selling and renting property followed a traditional model in which personal interaction and direct negotiation were the norm.</a:t>
+            </a:r>
+          </a:p>
+          <a:p>
+            <a:pPr marL="360" algn="just">
+              <a:lnSpc>
+                <a:spcPts val="2999"/>
+              </a:lnSpc>
+              <a:buClr>
+                <a:srgbClr val="004B87"/>
+              </a:buClr>
+            </a:pPr>
+            <a:r>
+              <a:rPr lang="en-US" sz="2400" spc="-1" dirty="0">
+                <a:solidFill>
+                  <a:srgbClr val="004B87"/>
+                </a:solidFill>
+                <a:latin typeface="Calibri"/>
+              </a:rPr>
+              <a:t>However, the advance of information technologies and increasing globalisation have drastically changed this scenario.</a:t>
+            </a:r>
           </a:p>
         </p:txBody>
       </p:sp>
@@ -3441,8 +3618,8 @@
         </p:nvSpPr>
         <p:spPr>
           <a:xfrm>
-            <a:off x="7918200" y="12299400"/>
-            <a:ext cx="5712120" cy="470520"/>
+            <a:off x="7918201" y="12299400"/>
+            <a:ext cx="3969000" cy="5462029"/>
           </a:xfrm>
           <a:prstGeom prst="rect">
             <a:avLst/>
@@ -3465,7 +3642,7 @@
           <a:fontRef idx="minor"/>
         </p:style>
         <p:txBody>
-          <a:bodyPr lIns="90000" tIns="45000" rIns="90000" bIns="45000">
+          <a:bodyPr wrap="square" lIns="90000" tIns="45000" rIns="90000" bIns="45000">
             <a:spAutoFit/>
           </a:bodyPr>
           <a:lstStyle/>
@@ -3476,17 +3653,30 @@
               </a:lnSpc>
             </a:pPr>
             <a:r>
-              <a:rPr lang="pt-PT" sz="2400" b="0" strike="noStrike" spc="-1">
+              <a:rPr lang="en-US" sz="2400" spc="-1" dirty="0">
                 <a:solidFill>
                   <a:srgbClr val="004B87"/>
                 </a:solidFill>
                 <a:latin typeface="Calibri"/>
               </a:rPr>
-              <a:t>Write here...</a:t>
-            </a:r>
-            <a:endParaRPr lang="en-US" sz="2400" b="0" strike="noStrike" spc="-1">
-              <a:latin typeface="Arial"/>
-            </a:endParaRPr>
+              <a:t>This project seeks to address and solve the challenges of the property market by designing a digital platform. </a:t>
+            </a:r>
+          </a:p>
+          <a:p>
+            <a:pPr algn="just">
+              <a:lnSpc>
+                <a:spcPts val="2999"/>
+              </a:lnSpc>
+            </a:pPr>
+            <a:r>
+              <a:rPr lang="en-US" sz="2400" spc="-1" dirty="0">
+                <a:solidFill>
+                  <a:srgbClr val="004B87"/>
+                </a:solidFill>
+                <a:latin typeface="Calibri"/>
+              </a:rPr>
+              <a:t>The aim is to detail and record all the effort and planning associated with the Applied Project, Mobile Device Programming and Information Systems Integration disciplines, thus contributing to the practical and theoretical training of the students involved.</a:t>
+            </a:r>
           </a:p>
         </p:txBody>
       </p:sp>
@@ -3499,7 +3689,7 @@
         <p:spPr>
           <a:xfrm>
             <a:off x="14144760" y="12299400"/>
-            <a:ext cx="5616000" cy="470520"/>
+            <a:ext cx="5616000" cy="449439"/>
           </a:xfrm>
           <a:prstGeom prst="rect">
             <a:avLst/>
@@ -3532,16 +3722,7 @@
                 <a:spcPts val="2999"/>
               </a:lnSpc>
             </a:pPr>
-            <a:r>
-              <a:rPr lang="pt-PT" sz="2400" b="0" strike="noStrike" spc="-1">
-                <a:solidFill>
-                  <a:srgbClr val="004B87"/>
-                </a:solidFill>
-                <a:latin typeface="Calibri"/>
-              </a:rPr>
-              <a:t>Write here...</a:t>
-            </a:r>
-            <a:endParaRPr lang="en-US" sz="2400" b="0" strike="noStrike" spc="-1">
+            <a:endParaRPr lang="en-US" sz="2400" b="0" strike="noStrike" spc="-1" dirty="0">
               <a:latin typeface="Arial"/>
             </a:endParaRPr>
           </a:p>
@@ -3556,7 +3737,7 @@
         <p:spPr>
           <a:xfrm>
             <a:off x="7918200" y="5695560"/>
-            <a:ext cx="5712120" cy="3137400"/>
+            <a:ext cx="11842560" cy="4296646"/>
           </a:xfrm>
           <a:prstGeom prst="rect">
             <a:avLst/>
@@ -3579,168 +3760,168 @@
           <a:fontRef idx="minor"/>
         </p:style>
         <p:txBody>
-          <a:bodyPr lIns="90000" tIns="45000" rIns="90000" bIns="45000">
+          <a:bodyPr wrap="square" lIns="90000" tIns="45000" rIns="90000" bIns="45000">
             <a:spAutoFit/>
           </a:bodyPr>
           <a:lstStyle/>
           <a:p>
-            <a:pPr algn="just">
-              <a:lnSpc>
-                <a:spcPts val="2999"/>
-              </a:lnSpc>
-            </a:pPr>
-            <a:r>
-              <a:rPr lang="pt-PT" sz="2400" b="0" strike="noStrike" spc="-1">
-                <a:solidFill>
-                  <a:srgbClr val="004B87"/>
-                </a:solidFill>
-                <a:latin typeface="Calibri"/>
-              </a:rPr>
-              <a:t>Write heWrite here...</a:t>
-            </a:r>
-            <a:endParaRPr lang="en-US" sz="2400" b="0" strike="noStrike" spc="-1">
-              <a:latin typeface="Arial"/>
-            </a:endParaRPr>
-          </a:p>
-          <a:p>
-            <a:pPr algn="just">
-              <a:lnSpc>
-                <a:spcPts val="2999"/>
-              </a:lnSpc>
-            </a:pPr>
-            <a:endParaRPr lang="en-US" sz="2400" b="0" strike="noStrike" spc="-1">
-              <a:latin typeface="Arial"/>
-            </a:endParaRPr>
-          </a:p>
-          <a:p>
-            <a:pPr marL="457200" indent="-456840" algn="just">
+            <a:pPr marL="360" algn="just">
               <a:lnSpc>
                 <a:spcPts val="2999"/>
               </a:lnSpc>
               <a:buClr>
                 <a:srgbClr val="004B87"/>
               </a:buClr>
-              <a:buFont typeface="Calibri Light"/>
-              <a:buAutoNum type="arabicPeriod"/>
             </a:pPr>
             <a:r>
-              <a:rPr lang="pt-PT" sz="2400" b="0" strike="noStrike" spc="-1">
+              <a:rPr lang="en-US" sz="2400" spc="-1" dirty="0">
                 <a:solidFill>
                   <a:srgbClr val="004B87"/>
                 </a:solidFill>
                 <a:latin typeface="Calibri"/>
               </a:rPr>
-              <a:t>Item da lista 1</a:t>
-            </a:r>
-            <a:endParaRPr lang="en-US" sz="2400" b="0" strike="noStrike" spc="-1">
-              <a:latin typeface="Arial"/>
-            </a:endParaRPr>
-          </a:p>
-          <a:p>
-            <a:pPr marL="457200" indent="-456840" algn="just">
+              <a:t>The proposed platform aims to revolutionise users' daily lives by:</a:t>
+            </a:r>
+          </a:p>
+          <a:p>
+            <a:pPr marL="360" algn="just">
               <a:lnSpc>
                 <a:spcPts val="2999"/>
               </a:lnSpc>
               <a:buClr>
                 <a:srgbClr val="004B87"/>
               </a:buClr>
-              <a:buFont typeface="Calibri Light"/>
-              <a:buAutoNum type="arabicPeriod"/>
             </a:pPr>
-            <a:r>
-              <a:rPr lang="pt-PT" sz="2400" b="0" strike="noStrike" spc="-1">
-                <a:solidFill>
-                  <a:srgbClr val="004B87"/>
-                </a:solidFill>
-                <a:latin typeface="Calibri"/>
-              </a:rPr>
-              <a:t>tem da lista 2</a:t>
-            </a:r>
-            <a:endParaRPr lang="en-US" sz="2400" b="0" strike="noStrike" spc="-1">
-              <a:latin typeface="Arial"/>
-            </a:endParaRPr>
-          </a:p>
-          <a:p>
-            <a:pPr marL="457200" indent="-456840" algn="just">
+            <a:endParaRPr lang="en-US" sz="2400" spc="-1" dirty="0">
+              <a:solidFill>
+                <a:srgbClr val="004B87"/>
+              </a:solidFill>
+              <a:latin typeface="Calibri"/>
+            </a:endParaRPr>
+          </a:p>
+          <a:p>
+            <a:pPr marL="360" algn="just">
               <a:lnSpc>
                 <a:spcPts val="2999"/>
               </a:lnSpc>
               <a:buClr>
                 <a:srgbClr val="004B87"/>
               </a:buClr>
-              <a:buFont typeface="Calibri Light"/>
-              <a:buAutoNum type="arabicPeriod"/>
             </a:pPr>
             <a:r>
-              <a:rPr lang="pt-PT" sz="2400" b="0" strike="noStrike" spc="-1">
+              <a:rPr lang="en-US" sz="2400" spc="-1" dirty="0">
                 <a:solidFill>
                   <a:srgbClr val="004B87"/>
                 </a:solidFill>
                 <a:latin typeface="Calibri"/>
               </a:rPr>
-              <a:t>Item da lista 3</a:t>
-            </a:r>
-            <a:endParaRPr lang="en-US" sz="2400" b="0" strike="noStrike" spc="-1">
-              <a:latin typeface="Arial"/>
-            </a:endParaRPr>
-          </a:p>
-          <a:p>
-            <a:pPr marL="457200" indent="-456840" algn="just">
+              <a:t>	Reducing the time needed to find the ideal property through an advanced search system.</a:t>
+            </a:r>
+          </a:p>
+          <a:p>
+            <a:pPr marL="360" algn="just">
               <a:lnSpc>
                 <a:spcPts val="2999"/>
               </a:lnSpc>
               <a:buClr>
                 <a:srgbClr val="004B87"/>
               </a:buClr>
-              <a:buFont typeface="Calibri Light"/>
-              <a:buAutoNum type="arabicPeriod"/>
             </a:pPr>
-            <a:r>
-              <a:rPr lang="pt-PT" sz="2400" b="0" strike="noStrike" spc="-1">
-                <a:solidFill>
-                  <a:srgbClr val="004B87"/>
-                </a:solidFill>
-                <a:latin typeface="Calibri"/>
-              </a:rPr>
-              <a:t>Item da lista 4</a:t>
-            </a:r>
-            <a:endParaRPr lang="en-US" sz="2400" b="0" strike="noStrike" spc="-1">
-              <a:latin typeface="Arial"/>
-            </a:endParaRPr>
-          </a:p>
-          <a:p>
-            <a:pPr marL="457200" indent="-456840" algn="just">
+            <a:endParaRPr lang="en-US" sz="2400" spc="-1" dirty="0">
+              <a:solidFill>
+                <a:srgbClr val="004B87"/>
+              </a:solidFill>
+              <a:latin typeface="Calibri"/>
+            </a:endParaRPr>
+          </a:p>
+          <a:p>
+            <a:pPr marL="360" algn="just">
               <a:lnSpc>
                 <a:spcPts val="2999"/>
               </a:lnSpc>
               <a:buClr>
                 <a:srgbClr val="004B87"/>
               </a:buClr>
-              <a:buFont typeface="Calibri Light"/>
-              <a:buAutoNum type="arabicPeriod"/>
             </a:pPr>
             <a:r>
-              <a:rPr lang="pt-PT" sz="2400" b="0" strike="noStrike" spc="-1">
+              <a:rPr lang="en-US" sz="2400" spc="-1" dirty="0">
                 <a:solidFill>
                   <a:srgbClr val="004B87"/>
                 </a:solidFill>
                 <a:latin typeface="Calibri"/>
               </a:rPr>
-              <a:t>Item da lista 5</a:t>
-            </a:r>
-            <a:endParaRPr lang="en-US" sz="2400" b="0" strike="noStrike" spc="-1">
-              <a:latin typeface="Arial"/>
-            </a:endParaRPr>
-          </a:p>
-          <a:p>
-            <a:pPr algn="just">
+              <a:t>	Simplifying the listing process for sellers and agents, making it more intuitive.</a:t>
+            </a:r>
+          </a:p>
+          <a:p>
+            <a:pPr marL="360" algn="just">
               <a:lnSpc>
                 <a:spcPts val="2999"/>
               </a:lnSpc>
+              <a:buClr>
+                <a:srgbClr val="004B87"/>
+              </a:buClr>
             </a:pPr>
-            <a:endParaRPr lang="en-US" sz="2400" b="0" strike="noStrike" spc="-1">
-              <a:latin typeface="Arial"/>
-            </a:endParaRPr>
+            <a:endParaRPr lang="en-US" sz="2400" spc="-1" dirty="0">
+              <a:solidFill>
+                <a:srgbClr val="004B87"/>
+              </a:solidFill>
+              <a:latin typeface="Calibri"/>
+            </a:endParaRPr>
+          </a:p>
+          <a:p>
+            <a:pPr marL="360" algn="just">
+              <a:lnSpc>
+                <a:spcPts val="2999"/>
+              </a:lnSpc>
+              <a:buClr>
+                <a:srgbClr val="004B87"/>
+              </a:buClr>
+            </a:pPr>
+            <a:r>
+              <a:rPr lang="en-US" sz="2400" spc="-1" dirty="0">
+                <a:solidFill>
+                  <a:srgbClr val="004B87"/>
+                </a:solidFill>
+                <a:latin typeface="Calibri"/>
+              </a:rPr>
+              <a:t>	 Facilitate direct communication between the parties involved.</a:t>
+            </a:r>
+          </a:p>
+          <a:p>
+            <a:pPr marL="360" algn="just">
+              <a:lnSpc>
+                <a:spcPts val="2999"/>
+              </a:lnSpc>
+              <a:buClr>
+                <a:srgbClr val="004B87"/>
+              </a:buClr>
+            </a:pPr>
+            <a:endParaRPr lang="en-US" sz="2400" spc="-1" dirty="0">
+              <a:solidFill>
+                <a:srgbClr val="004B87"/>
+              </a:solidFill>
+              <a:latin typeface="Calibri"/>
+            </a:endParaRPr>
+          </a:p>
+          <a:p>
+            <a:pPr marL="360" algn="just">
+              <a:lnSpc>
+                <a:spcPts val="2999"/>
+              </a:lnSpc>
+              <a:buClr>
+                <a:srgbClr val="004B87"/>
+              </a:buClr>
+            </a:pPr>
+            <a:r>
+              <a:rPr lang="en-US" sz="2400" spc="-1" dirty="0">
+                <a:solidFill>
+                  <a:srgbClr val="004B87"/>
+                </a:solidFill>
+                <a:latin typeface="Calibri"/>
+              </a:rPr>
+              <a:t>	 Providing a user experience optimised for mobile devices, allowing properties to be searched and negotiated on the move.</a:t>
+            </a:r>
           </a:p>
         </p:txBody>
       </p:sp>
@@ -4309,16 +4490,37 @@
           </a:p>
         </p:txBody>
       </p:sp>
-      <p:sp>
-        <p:nvSpPr>
-          <p:cNvPr id="67" name="CustomShape 20"/>
-          <p:cNvSpPr/>
+      <p:pic>
+        <p:nvPicPr>
+          <p:cNvPr id="2" name="Imagem 1" descr="Cronômetro - ícones de hora e data grátis">
+            <a:extLst>
+              <a:ext uri="{FF2B5EF4-FFF2-40B4-BE49-F238E27FC236}">
+                <a16:creationId xmlns:a16="http://schemas.microsoft.com/office/drawing/2014/main" id="{6F9A71BE-846D-8273-8885-12CE64F2BC86}"/>
+              </a:ext>
+            </a:extLst>
+          </p:cNvPr>
+          <p:cNvPicPr>
+            <a:picLocks noChangeAspect="1"/>
+          </p:cNvPicPr>
           <p:nvPr/>
-        </p:nvSpPr>
-        <p:spPr>
-          <a:xfrm>
-            <a:off x="14144760" y="5695560"/>
-            <a:ext cx="5616000" cy="3518280"/>
+        </p:nvPicPr>
+        <p:blipFill>
+          <a:blip r:embed="rId8">
+            <a:extLst>
+              <a:ext uri="{28A0092B-C50C-407E-A947-70E740481C1C}">
+                <a14:useLocalDpi xmlns:a14="http://schemas.microsoft.com/office/drawing/2010/main" val="0"/>
+              </a:ext>
+            </a:extLst>
+          </a:blip>
+          <a:srcRect/>
+          <a:stretch>
+            <a:fillRect/>
+          </a:stretch>
+        </p:blipFill>
+        <p:spPr bwMode="auto">
+          <a:xfrm>
+            <a:off x="8040711" y="6189557"/>
+            <a:ext cx="734897" cy="734897"/>
           </a:xfrm>
           <a:prstGeom prst="rect">
             <a:avLst/>
@@ -4328,189 +4530,304 @@
             <a:noFill/>
           </a:ln>
         </p:spPr>
-        <p:style>
-          <a:lnRef idx="0">
-            <a:scrgbClr r="0" g="0" b="0"/>
-          </a:lnRef>
-          <a:fillRef idx="0">
-            <a:scrgbClr r="0" g="0" b="0"/>
-          </a:fillRef>
-          <a:effectRef idx="0">
-            <a:scrgbClr r="0" g="0" b="0"/>
-          </a:effectRef>
-          <a:fontRef idx="minor"/>
-        </p:style>
-        <p:txBody>
-          <a:bodyPr lIns="90000" tIns="45000" rIns="90000" bIns="45000">
-            <a:spAutoFit/>
-          </a:bodyPr>
-          <a:lstStyle/>
-          <a:p>
-            <a:pPr algn="just">
-              <a:lnSpc>
-                <a:spcPts val="2999"/>
-              </a:lnSpc>
-            </a:pPr>
-            <a:r>
-              <a:rPr lang="pt-PT" sz="2400" b="0" strike="noStrike" spc="-1">
-                <a:solidFill>
-                  <a:srgbClr val="004B87"/>
-                </a:solidFill>
-                <a:latin typeface="Calibri"/>
-              </a:rPr>
-              <a:t>Write here...</a:t>
-            </a:r>
-            <a:endParaRPr lang="en-US" sz="2400" b="0" strike="noStrike" spc="-1">
-              <a:latin typeface="Arial"/>
-            </a:endParaRPr>
-          </a:p>
-          <a:p>
-            <a:pPr algn="just">
-              <a:lnSpc>
-                <a:spcPts val="2999"/>
-              </a:lnSpc>
-            </a:pPr>
-            <a:endParaRPr lang="en-US" sz="2400" b="0" strike="noStrike" spc="-1">
-              <a:latin typeface="Arial"/>
-            </a:endParaRPr>
-          </a:p>
-          <a:p>
-            <a:pPr marL="343080" indent="-342720" algn="just">
-              <a:lnSpc>
-                <a:spcPts val="2999"/>
-              </a:lnSpc>
-              <a:buSzPct val="100000"/>
-              <a:buBlip>
-                <a:blip r:embed="rId8"/>
-              </a:buBlip>
-            </a:pPr>
-            <a:r>
-              <a:rPr lang="pt-PT" sz="2400" b="0" strike="noStrike" spc="-1">
-                <a:solidFill>
-                  <a:srgbClr val="004B87"/>
-                </a:solidFill>
-                <a:latin typeface="Calibri"/>
-              </a:rPr>
-              <a:t>Item da lista 1</a:t>
-            </a:r>
-            <a:endParaRPr lang="en-US" sz="2400" b="0" strike="noStrike" spc="-1">
-              <a:latin typeface="Arial"/>
-            </a:endParaRPr>
-          </a:p>
-          <a:p>
-            <a:pPr marL="343080" indent="-342720" algn="just">
-              <a:lnSpc>
-                <a:spcPts val="2999"/>
-              </a:lnSpc>
-              <a:buSzPct val="100000"/>
-              <a:buBlip>
-                <a:blip r:embed="rId8"/>
-              </a:buBlip>
-            </a:pPr>
-            <a:r>
-              <a:rPr lang="pt-PT" sz="2400" b="0" strike="noStrike" spc="-1">
-                <a:solidFill>
-                  <a:srgbClr val="004B87"/>
-                </a:solidFill>
-                <a:latin typeface="Calibri"/>
-              </a:rPr>
-              <a:t>tem da lista 2</a:t>
-            </a:r>
-            <a:endParaRPr lang="en-US" sz="2400" b="0" strike="noStrike" spc="-1">
-              <a:latin typeface="Arial"/>
-            </a:endParaRPr>
-          </a:p>
-          <a:p>
-            <a:pPr marL="343080" indent="-342720" algn="just">
-              <a:lnSpc>
-                <a:spcPts val="2999"/>
-              </a:lnSpc>
-              <a:buSzPct val="100000"/>
-              <a:buBlip>
-                <a:blip r:embed="rId8"/>
-              </a:buBlip>
-            </a:pPr>
-            <a:r>
-              <a:rPr lang="pt-PT" sz="2400" b="0" strike="noStrike" spc="-1">
-                <a:solidFill>
-                  <a:srgbClr val="004B87"/>
-                </a:solidFill>
-                <a:latin typeface="Calibri"/>
-              </a:rPr>
-              <a:t>Item da lista 3</a:t>
-            </a:r>
-            <a:endParaRPr lang="en-US" sz="2400" b="0" strike="noStrike" spc="-1">
-              <a:latin typeface="Arial"/>
-            </a:endParaRPr>
-          </a:p>
-          <a:p>
-            <a:pPr marL="343080" indent="-342720" algn="just">
-              <a:lnSpc>
-                <a:spcPts val="2999"/>
-              </a:lnSpc>
-              <a:buSzPct val="100000"/>
-              <a:buBlip>
-                <a:blip r:embed="rId8"/>
-              </a:buBlip>
-            </a:pPr>
-            <a:r>
-              <a:rPr lang="pt-PT" sz="2400" b="0" strike="noStrike" spc="-1">
-                <a:solidFill>
-                  <a:srgbClr val="004B87"/>
-                </a:solidFill>
-                <a:latin typeface="Calibri"/>
-              </a:rPr>
-              <a:t>Item da lista 4</a:t>
-            </a:r>
-            <a:endParaRPr lang="en-US" sz="2400" b="0" strike="noStrike" spc="-1">
-              <a:latin typeface="Arial"/>
-            </a:endParaRPr>
-          </a:p>
-          <a:p>
-            <a:pPr marL="343080" indent="-342720" algn="just">
-              <a:lnSpc>
-                <a:spcPts val="2999"/>
-              </a:lnSpc>
-              <a:buSzPct val="100000"/>
-              <a:buBlip>
-                <a:blip r:embed="rId8"/>
-              </a:buBlip>
-            </a:pPr>
-            <a:r>
-              <a:rPr lang="pt-PT" sz="2400" b="0" strike="noStrike" spc="-1">
-                <a:solidFill>
-                  <a:srgbClr val="004B87"/>
-                </a:solidFill>
-                <a:latin typeface="Calibri"/>
-              </a:rPr>
-              <a:t>Item da lista 5</a:t>
-            </a:r>
-            <a:endParaRPr lang="en-US" sz="2400" b="0" strike="noStrike" spc="-1">
-              <a:latin typeface="Arial"/>
-            </a:endParaRPr>
-          </a:p>
-          <a:p>
-            <a:pPr algn="just">
-              <a:lnSpc>
-                <a:spcPts val="2999"/>
-              </a:lnSpc>
-            </a:pPr>
-            <a:endParaRPr lang="en-US" sz="2400" b="0" strike="noStrike" spc="-1">
-              <a:latin typeface="Arial"/>
-            </a:endParaRPr>
-          </a:p>
-          <a:p>
-            <a:pPr algn="just">
-              <a:lnSpc>
-                <a:spcPts val="2999"/>
-              </a:lnSpc>
-            </a:pPr>
-            <a:endParaRPr lang="en-US" sz="2400" b="0" strike="noStrike" spc="-1">
-              <a:latin typeface="Arial"/>
-            </a:endParaRPr>
-          </a:p>
-        </p:txBody>
-      </p:sp>
+      </p:pic>
+      <p:pic>
+        <p:nvPicPr>
+          <p:cNvPr id="3" name="Imagem 2" descr="O que não pode faltar na ficha de captação de imóveis - Tecimob">
+            <a:extLst>
+              <a:ext uri="{FF2B5EF4-FFF2-40B4-BE49-F238E27FC236}">
+                <a16:creationId xmlns:a16="http://schemas.microsoft.com/office/drawing/2014/main" id="{29AB7BA2-7D11-0032-E73E-4A60253751EF}"/>
+              </a:ext>
+            </a:extLst>
+          </p:cNvPr>
+          <p:cNvPicPr>
+            <a:picLocks noChangeAspect="1"/>
+          </p:cNvPicPr>
+          <p:nvPr/>
+        </p:nvPicPr>
+        <p:blipFill>
+          <a:blip r:embed="rId9">
+            <a:extLst>
+              <a:ext uri="{28A0092B-C50C-407E-A947-70E740481C1C}">
+                <a14:useLocalDpi xmlns:a14="http://schemas.microsoft.com/office/drawing/2010/main" val="0"/>
+              </a:ext>
+            </a:extLst>
+          </a:blip>
+          <a:srcRect/>
+          <a:stretch>
+            <a:fillRect/>
+          </a:stretch>
+        </p:blipFill>
+        <p:spPr bwMode="auto">
+          <a:xfrm>
+            <a:off x="8060760" y="7438053"/>
+            <a:ext cx="730250" cy="730250"/>
+          </a:xfrm>
+          <a:prstGeom prst="rect">
+            <a:avLst/>
+          </a:prstGeom>
+          <a:noFill/>
+          <a:ln>
+            <a:noFill/>
+          </a:ln>
+        </p:spPr>
+      </p:pic>
+      <p:pic>
+        <p:nvPicPr>
+          <p:cNvPr id="4" name="Imagem 3" descr="Ilustração de troca de mensagens com bolhas de menina, menino e discurso |  Vetor Premium">
+            <a:extLst>
+              <a:ext uri="{FF2B5EF4-FFF2-40B4-BE49-F238E27FC236}">
+                <a16:creationId xmlns:a16="http://schemas.microsoft.com/office/drawing/2014/main" id="{0D5A9779-4623-4F06-1651-79047AC446BC}"/>
+              </a:ext>
+            </a:extLst>
+          </p:cNvPr>
+          <p:cNvPicPr>
+            <a:picLocks noChangeAspect="1"/>
+          </p:cNvPicPr>
+          <p:nvPr/>
+        </p:nvPicPr>
+        <p:blipFill>
+          <a:blip r:embed="rId10">
+            <a:extLst>
+              <a:ext uri="{28A0092B-C50C-407E-A947-70E740481C1C}">
+                <a14:useLocalDpi xmlns:a14="http://schemas.microsoft.com/office/drawing/2010/main" val="0"/>
+              </a:ext>
+            </a:extLst>
+          </a:blip>
+          <a:srcRect/>
+          <a:stretch>
+            <a:fillRect/>
+          </a:stretch>
+        </p:blipFill>
+        <p:spPr bwMode="auto">
+          <a:xfrm>
+            <a:off x="8060760" y="8347848"/>
+            <a:ext cx="915035" cy="412750"/>
+          </a:xfrm>
+          <a:prstGeom prst="rect">
+            <a:avLst/>
+          </a:prstGeom>
+          <a:noFill/>
+          <a:ln>
+            <a:noFill/>
+          </a:ln>
+        </p:spPr>
+      </p:pic>
+      <p:pic>
+        <p:nvPicPr>
+          <p:cNvPr id="5" name="Imagem 4" descr="Tela Celular Png Imagens – Download Grátis no Freepik">
+            <a:extLst>
+              <a:ext uri="{FF2B5EF4-FFF2-40B4-BE49-F238E27FC236}">
+                <a16:creationId xmlns:a16="http://schemas.microsoft.com/office/drawing/2014/main" id="{49143BBD-7044-BE7E-939D-0A6B6FCCC26C}"/>
+              </a:ext>
+            </a:extLst>
+          </p:cNvPr>
+          <p:cNvPicPr>
+            <a:picLocks noChangeAspect="1"/>
+          </p:cNvPicPr>
+          <p:nvPr/>
+        </p:nvPicPr>
+        <p:blipFill>
+          <a:blip r:embed="rId11">
+            <a:extLst>
+              <a:ext uri="{28A0092B-C50C-407E-A947-70E740481C1C}">
+                <a14:useLocalDpi xmlns:a14="http://schemas.microsoft.com/office/drawing/2010/main" val="0"/>
+              </a:ext>
+            </a:extLst>
+          </a:blip>
+          <a:srcRect/>
+          <a:stretch>
+            <a:fillRect/>
+          </a:stretch>
+        </p:blipFill>
+        <p:spPr bwMode="auto">
+          <a:xfrm>
+            <a:off x="8060760" y="8882968"/>
+            <a:ext cx="755670" cy="755670"/>
+          </a:xfrm>
+          <a:prstGeom prst="rect">
+            <a:avLst/>
+          </a:prstGeom>
+          <a:noFill/>
+          <a:ln>
+            <a:noFill/>
+          </a:ln>
+        </p:spPr>
+      </p:pic>
+      <p:pic>
+        <p:nvPicPr>
+          <p:cNvPr id="9" name="Imagem 8" descr="Uma imagem com texto, captura de ecrã, Tipo de letra, Retângulo&#10;&#10;Descrição gerada automaticamente">
+            <a:extLst>
+              <a:ext uri="{FF2B5EF4-FFF2-40B4-BE49-F238E27FC236}">
+                <a16:creationId xmlns:a16="http://schemas.microsoft.com/office/drawing/2014/main" id="{3BC3EB3F-94FF-F184-5F42-FE30FC39DEB6}"/>
+              </a:ext>
+            </a:extLst>
+          </p:cNvPr>
+          <p:cNvPicPr>
+            <a:picLocks noChangeAspect="1"/>
+          </p:cNvPicPr>
+          <p:nvPr/>
+        </p:nvPicPr>
+        <p:blipFill>
+          <a:blip r:embed="rId12">
+            <a:extLst>
+              <a:ext uri="{28A0092B-C50C-407E-A947-70E740481C1C}">
+                <a14:useLocalDpi xmlns:a14="http://schemas.microsoft.com/office/drawing/2010/main" val="0"/>
+              </a:ext>
+            </a:extLst>
+          </a:blip>
+          <a:stretch>
+            <a:fillRect/>
+          </a:stretch>
+        </p:blipFill>
+        <p:spPr>
+          <a:xfrm>
+            <a:off x="12182017" y="12288240"/>
+            <a:ext cx="7801541" cy="4562386"/>
+          </a:xfrm>
+          <a:prstGeom prst="rect">
+            <a:avLst/>
+          </a:prstGeom>
+        </p:spPr>
+      </p:pic>
+      <p:pic>
+        <p:nvPicPr>
+          <p:cNvPr id="11" name="Imagem 10" descr="Uma imagem com texto, Tipo de letra, logótipo, círculo&#10;&#10;Descrição gerada automaticamente">
+            <a:extLst>
+              <a:ext uri="{FF2B5EF4-FFF2-40B4-BE49-F238E27FC236}">
+                <a16:creationId xmlns:a16="http://schemas.microsoft.com/office/drawing/2014/main" id="{C38368D7-6567-E41A-F84B-5471853ED75C}"/>
+              </a:ext>
+            </a:extLst>
+          </p:cNvPr>
+          <p:cNvPicPr>
+            <a:picLocks noChangeAspect="1"/>
+          </p:cNvPicPr>
+          <p:nvPr/>
+        </p:nvPicPr>
+        <p:blipFill>
+          <a:blip r:embed="rId13">
+            <a:extLst>
+              <a:ext uri="{28A0092B-C50C-407E-A947-70E740481C1C}">
+                <a14:useLocalDpi xmlns:a14="http://schemas.microsoft.com/office/drawing/2010/main" val="0"/>
+              </a:ext>
+            </a:extLst>
+          </a:blip>
+          <a:stretch>
+            <a:fillRect/>
+          </a:stretch>
+        </p:blipFill>
+        <p:spPr>
+          <a:xfrm>
+            <a:off x="1525678" y="23898284"/>
+            <a:ext cx="3773271" cy="3010589"/>
+          </a:xfrm>
+          <a:prstGeom prst="rect">
+            <a:avLst/>
+          </a:prstGeom>
+        </p:spPr>
+      </p:pic>
+      <p:pic>
+        <p:nvPicPr>
+          <p:cNvPr id="12" name="Imagem 11">
+            <a:extLst>
+              <a:ext uri="{FF2B5EF4-FFF2-40B4-BE49-F238E27FC236}">
+                <a16:creationId xmlns:a16="http://schemas.microsoft.com/office/drawing/2014/main" id="{18900C67-AF9C-9E19-705F-A2F0F6DCFD5C}"/>
+              </a:ext>
+            </a:extLst>
+          </p:cNvPr>
+          <p:cNvPicPr>
+            <a:picLocks noChangeAspect="1"/>
+          </p:cNvPicPr>
+          <p:nvPr/>
+        </p:nvPicPr>
+        <p:blipFill>
+          <a:blip r:embed="rId14"/>
+          <a:stretch>
+            <a:fillRect/>
+          </a:stretch>
+        </p:blipFill>
+        <p:spPr>
+          <a:xfrm>
+            <a:off x="5845416" y="22595829"/>
+            <a:ext cx="2074974" cy="4228743"/>
+          </a:xfrm>
+          <a:prstGeom prst="rect">
+            <a:avLst/>
+          </a:prstGeom>
+        </p:spPr>
+      </p:pic>
+      <p:pic>
+        <p:nvPicPr>
+          <p:cNvPr id="14" name="Imagem 13" descr="Uma imagem com texto, céu, nuvem, captura de ecrã&#10;&#10;Descrição gerada automaticamente">
+            <a:extLst>
+              <a:ext uri="{FF2B5EF4-FFF2-40B4-BE49-F238E27FC236}">
+                <a16:creationId xmlns:a16="http://schemas.microsoft.com/office/drawing/2014/main" id="{AF826F48-5D02-A52E-45D1-216C14542D6E}"/>
+              </a:ext>
+            </a:extLst>
+          </p:cNvPr>
+          <p:cNvPicPr>
+            <a:picLocks noChangeAspect="1"/>
+          </p:cNvPicPr>
+          <p:nvPr/>
+        </p:nvPicPr>
+        <p:blipFill>
+          <a:blip r:embed="rId15">
+            <a:extLst>
+              <a:ext uri="{28A0092B-C50C-407E-A947-70E740481C1C}">
+                <a14:useLocalDpi xmlns:a14="http://schemas.microsoft.com/office/drawing/2010/main" val="0"/>
+              </a:ext>
+            </a:extLst>
+          </a:blip>
+          <a:stretch>
+            <a:fillRect/>
+          </a:stretch>
+        </p:blipFill>
+        <p:spPr>
+          <a:xfrm>
+            <a:off x="8668499" y="22612934"/>
+            <a:ext cx="2023313" cy="4214799"/>
+          </a:xfrm>
+          <a:prstGeom prst="rect">
+            <a:avLst/>
+          </a:prstGeom>
+        </p:spPr>
+      </p:pic>
+      <p:pic>
+        <p:nvPicPr>
+          <p:cNvPr id="16" name="Imagem 15" descr="Uma imagem com texto, captura de ecrã, Telemóvel&#10;&#10;Descrição gerada automaticamente">
+            <a:extLst>
+              <a:ext uri="{FF2B5EF4-FFF2-40B4-BE49-F238E27FC236}">
+                <a16:creationId xmlns:a16="http://schemas.microsoft.com/office/drawing/2014/main" id="{7BCE19B5-6E79-3071-5628-514B316488AE}"/>
+              </a:ext>
+            </a:extLst>
+          </p:cNvPr>
+          <p:cNvPicPr>
+            <a:picLocks noChangeAspect="1"/>
+          </p:cNvPicPr>
+          <p:nvPr/>
+        </p:nvPicPr>
+        <p:blipFill>
+          <a:blip r:embed="rId16">
+            <a:extLst>
+              <a:ext uri="{28A0092B-C50C-407E-A947-70E740481C1C}">
+                <a14:useLocalDpi xmlns:a14="http://schemas.microsoft.com/office/drawing/2010/main" val="0"/>
+              </a:ext>
+            </a:extLst>
+          </a:blip>
+          <a:stretch>
+            <a:fillRect/>
+          </a:stretch>
+        </p:blipFill>
+        <p:spPr>
+          <a:xfrm>
+            <a:off x="11234057" y="22595829"/>
+            <a:ext cx="2061643" cy="4228742"/>
+          </a:xfrm>
+          <a:prstGeom prst="rect">
+            <a:avLst/>
+          </a:prstGeom>
+        </p:spPr>
+      </p:pic>
     </p:spTree>
   </p:cSld>
   <p:clrMapOvr>

--- a/Documents/Grupo13_Poster.pptx
+++ b/Documents/Grupo13_Poster.pptx
@@ -3090,7 +3090,7 @@
         <p:spPr>
           <a:xfrm>
             <a:off x="1525680" y="19916280"/>
-            <a:ext cx="5646600" cy="3142484"/>
+            <a:ext cx="5646600" cy="7374411"/>
           </a:xfrm>
           <a:prstGeom prst="rect">
             <a:avLst/>
@@ -3124,41 +3124,20 @@
               </a:lnSpc>
             </a:pPr>
             <a:r>
-              <a:rPr lang="pt-PT" sz="2400" b="0" strike="noStrike" spc="-1" dirty="0" err="1">
+              <a:rPr lang="en-US" sz="2400" b="0" strike="noStrike" spc="-1" dirty="0">
                 <a:solidFill>
                   <a:srgbClr val="004B87"/>
                 </a:solidFill>
                 <a:latin typeface="Calibri"/>
               </a:rPr>
-              <a:t>Write</a:t>
-            </a:r>
-            <a:r>
-              <a:rPr lang="pt-PT" sz="2400" b="0" strike="noStrike" spc="-1" dirty="0">
-                <a:solidFill>
-                  <a:srgbClr val="004B87"/>
-                </a:solidFill>
-                <a:latin typeface="Calibri"/>
-              </a:rPr>
-              <a:t> </a:t>
-            </a:r>
-            <a:r>
-              <a:rPr lang="pt-PT" sz="2400" b="0" strike="noStrike" spc="-1" dirty="0" err="1">
-                <a:solidFill>
-                  <a:srgbClr val="004B87"/>
-                </a:solidFill>
-                <a:latin typeface="Calibri"/>
-              </a:rPr>
-              <a:t>here</a:t>
-            </a:r>
-            <a:r>
-              <a:rPr lang="pt-PT" sz="2400" b="0" strike="noStrike" spc="-1" dirty="0">
-                <a:solidFill>
-                  <a:srgbClr val="004B87"/>
-                </a:solidFill>
-                <a:latin typeface="Calibri"/>
-              </a:rPr>
-              <a:t>...</a:t>
-            </a:r>
+              <a:t>The obtained results not only highlight the effectiveness of the platform in achieving its stated objectives but also its ability to enhance user efficiency and satisfaction. The platform emerges not merely as a technological tool but as a transformative agent, positively shaping the way real estate transactions are conducted. This success signifies not only the present but also anticipates a promising future for the industry, driven by innovation and a focus on the genuine needs of its stakeholders.</a:t>
+            </a:r>
+            <a:endParaRPr lang="pt-PT" sz="2400" b="0" strike="noStrike" spc="-1" dirty="0">
+              <a:solidFill>
+                <a:srgbClr val="004B87"/>
+              </a:solidFill>
+              <a:latin typeface="Calibri"/>
+            </a:endParaRPr>
           </a:p>
           <a:p>
             <a:pPr algn="just">
@@ -3259,7 +3238,7 @@
         <p:spPr>
           <a:xfrm>
             <a:off x="7683480" y="19916280"/>
-            <a:ext cx="5436000" cy="470520"/>
+            <a:ext cx="5436000" cy="449439"/>
           </a:xfrm>
           <a:prstGeom prst="rect">
             <a:avLst/>
@@ -3292,42 +3271,6 @@
                 <a:spcPts val="2999"/>
               </a:lnSpc>
             </a:pPr>
-            <a:r>
-              <a:rPr lang="pt-PT" sz="2400" b="0" strike="noStrike" spc="-1" dirty="0" err="1">
-                <a:solidFill>
-                  <a:srgbClr val="004B87"/>
-                </a:solidFill>
-                <a:latin typeface="Calibri"/>
-              </a:rPr>
-              <a:t>Write</a:t>
-            </a:r>
-            <a:r>
-              <a:rPr lang="pt-PT" sz="2400" b="0" strike="noStrike" spc="-1" dirty="0">
-                <a:solidFill>
-                  <a:srgbClr val="004B87"/>
-                </a:solidFill>
-                <a:latin typeface="Calibri"/>
-              </a:rPr>
-              <a:t> </a:t>
-            </a:r>
-            <a:r>
-              <a:rPr lang="pt-PT" sz="2400" b="0" strike="noStrike" spc="-1" dirty="0" err="1">
-                <a:solidFill>
-                  <a:srgbClr val="004B87"/>
-                </a:solidFill>
-                <a:latin typeface="Calibri"/>
-              </a:rPr>
-              <a:t>here</a:t>
-            </a:r>
-            <a:r>
-              <a:rPr lang="pt-PT" sz="2400" b="0" strike="noStrike" spc="-1" dirty="0">
-                <a:solidFill>
-                  <a:srgbClr val="004B87"/>
-                </a:solidFill>
-                <a:latin typeface="Calibri"/>
-              </a:rPr>
-              <a:t>...</a:t>
-            </a:r>
             <a:endParaRPr lang="en-US" sz="2400" b="0" strike="noStrike" spc="-1" dirty="0">
               <a:latin typeface="Arial"/>
             </a:endParaRPr>
@@ -3524,7 +3467,7 @@
         <p:spPr>
           <a:xfrm>
             <a:off x="1525680" y="5771880"/>
-            <a:ext cx="5151240" cy="5077309"/>
+            <a:ext cx="5151240" cy="5846750"/>
           </a:xfrm>
           <a:prstGeom prst="rect">
             <a:avLst/>
@@ -3567,7 +3510,7 @@
                 </a:solidFill>
                 <a:latin typeface="Calibri"/>
               </a:rPr>
-              <a:t>The property sector is one of the fundamental pillars of the global economy, representing a significant portion of the world's investment and wealth.</a:t>
+              <a:t>The real estate sector is one of the fundamental pillars of the global economy, representing a significant portion of global investment and wealth. </a:t>
             </a:r>
           </a:p>
           <a:p>
@@ -3586,7 +3529,7 @@
                 </a:solidFill>
                 <a:latin typeface="Calibri"/>
               </a:rPr>
-              <a:t>For decades, buying, selling and renting property followed a traditional model in which personal interaction and direct negotiation were the norm.</a:t>
+              <a:t>For decades, the buying, selling, and renting of properties followed a traditional model in which personal interaction and direct negotiation were the norm. </a:t>
             </a:r>
           </a:p>
           <a:p>
@@ -3605,8 +3548,24 @@
                 </a:solidFill>
                 <a:latin typeface="Calibri"/>
               </a:rPr>
-              <a:t>However, the advance of information technologies and increasing globalisation have drastically changed this scenario.</a:t>
-            </a:r>
+              <a:t>However, the advancement of information technologies and the increasing globalization have drastically changed this landscape.</a:t>
+            </a:r>
+          </a:p>
+          <a:p>
+            <a:pPr marL="360" algn="just">
+              <a:lnSpc>
+                <a:spcPts val="2999"/>
+              </a:lnSpc>
+              <a:buClr>
+                <a:srgbClr val="004B87"/>
+              </a:buClr>
+            </a:pPr>
+            <a:endParaRPr lang="en-US" sz="2400" spc="-1" dirty="0">
+              <a:solidFill>
+                <a:srgbClr val="004B87"/>
+              </a:solidFill>
+              <a:latin typeface="Calibri"/>
+            </a:endParaRPr>
           </a:p>
         </p:txBody>
       </p:sp>
@@ -3619,7 +3578,7 @@
         <p:spPr>
           <a:xfrm>
             <a:off x="7918201" y="12299400"/>
-            <a:ext cx="3969000" cy="5462029"/>
+            <a:ext cx="3969000" cy="5846750"/>
           </a:xfrm>
           <a:prstGeom prst="rect">
             <a:avLst/>
@@ -3659,7 +3618,7 @@
                 </a:solidFill>
                 <a:latin typeface="Calibri"/>
               </a:rPr>
-              <a:t>This project seeks to address and solve the challenges of the property market by designing a digital platform. </a:t>
+              <a:t>This project aims to address and solve the specific challenges of the real estate market through the design of a digital platform. </a:t>
             </a:r>
           </a:p>
           <a:p>
@@ -3675,7 +3634,7 @@
                 </a:solidFill>
                 <a:latin typeface="Calibri"/>
               </a:rPr>
-              <a:t>The aim is to detail and record all the effort and planning associated with the Applied Project, Mobile Device Programming and Information Systems Integration disciplines, thus contributing to the practical and theoretical training of the students involved.</a:t>
+              <a:t>The intention is to detail and record all the effort and planning associated with the disciplines of Applied Project, Integration of Information Systems, and Mobile Device Programming, thereby contributing to the practical and theoretical training of the involved students.</a:t>
             </a:r>
           </a:p>
         </p:txBody>
@@ -4222,7 +4181,7 @@
         <p:spPr>
           <a:xfrm>
             <a:off x="14457600" y="19916280"/>
-            <a:ext cx="5646600" cy="357120"/>
+            <a:ext cx="5646600" cy="1168097"/>
           </a:xfrm>
           <a:prstGeom prst="rect">
             <a:avLst/>
@@ -4256,15 +4215,29 @@
               </a:lnSpc>
             </a:pPr>
             <a:r>
-              <a:rPr lang="pt-PT" sz="1800" b="0" strike="noStrike" spc="-1">
+              <a:rPr lang="pt-PT" sz="1800" b="0" strike="noStrike" spc="-1" dirty="0">
                 <a:solidFill>
                   <a:srgbClr val="004B87"/>
                 </a:solidFill>
                 <a:latin typeface="Calibri"/>
-              </a:rPr>
-              <a:t>Up to 5 references</a:t>
-            </a:r>
-            <a:endParaRPr lang="en-US" sz="1800" b="0" strike="noStrike" spc="-1">
+                <a:hlinkClick r:id="rId3"/>
+              </a:rPr>
+              <a:t>https://www.dinheirovivo.pt/opiniao/a-evolucao-dos-precos-das-casas-em-portugal-nos-ultimos-tres-anos-14067734.html/</a:t>
+            </a:r>
+            <a:endParaRPr lang="pt-PT" sz="1800" b="0" strike="noStrike" spc="-1" dirty="0">
+              <a:solidFill>
+                <a:srgbClr val="004B87"/>
+              </a:solidFill>
+              <a:latin typeface="Calibri"/>
+            </a:endParaRPr>
+          </a:p>
+          <a:p>
+            <a:pPr algn="just">
+              <a:lnSpc>
+                <a:spcPts val="2100"/>
+              </a:lnSpc>
+            </a:pPr>
+            <a:endParaRPr lang="en-US" sz="1800" b="0" strike="noStrike" spc="-1" dirty="0">
               <a:latin typeface="Arial"/>
             </a:endParaRPr>
           </a:p>
@@ -4345,7 +4318,7 @@
                 </a:solidFill>
                 <a:latin typeface="Calibri"/>
                 <a:ea typeface="Arial"/>
-                <a:hlinkClick r:id="rId3"/>
+                <a:hlinkClick r:id="rId4"/>
               </a:rPr>
               <a:t>a18576@alunos.ipca.pt</a:t>
             </a:r>
@@ -4375,7 +4348,7 @@
                   <a:srgbClr val="004B87"/>
                 </a:solidFill>
                 <a:latin typeface="Calibri"/>
-                <a:hlinkClick r:id="rId4"/>
+                <a:hlinkClick r:id="rId5"/>
               </a:rPr>
               <a:t>a18596@alunos.ipca.pt</a:t>
             </a:r>
@@ -4404,7 +4377,7 @@
                   <a:srgbClr val="004B87"/>
                 </a:solidFill>
                 <a:latin typeface="Calibri"/>
-                <a:hlinkClick r:id="rId5"/>
+                <a:hlinkClick r:id="rId6"/>
               </a:rPr>
               <a:t>a21138@alunos.ipca.pt</a:t>
             </a:r>
@@ -4433,7 +4406,7 @@
                   <a:srgbClr val="004B87"/>
                 </a:solidFill>
                 <a:latin typeface="Calibri"/>
-                <a:hlinkClick r:id="rId6"/>
+                <a:hlinkClick r:id="rId7"/>
               </a:rPr>
               <a:t>eboas@ipca.pt</a:t>
             </a:r>
@@ -4462,7 +4435,7 @@
                   <a:srgbClr val="004B87"/>
                 </a:solidFill>
                 <a:latin typeface="Calibri"/>
-                <a:hlinkClick r:id="rId7"/>
+                <a:hlinkClick r:id="rId8"/>
               </a:rPr>
               <a:t>patricialeite@ipca.pt</a:t>
             </a:r>
@@ -4496,47 +4469,6 @@
             <a:extLst>
               <a:ext uri="{FF2B5EF4-FFF2-40B4-BE49-F238E27FC236}">
                 <a16:creationId xmlns:a16="http://schemas.microsoft.com/office/drawing/2014/main" id="{6F9A71BE-846D-8273-8885-12CE64F2BC86}"/>
-              </a:ext>
-            </a:extLst>
-          </p:cNvPr>
-          <p:cNvPicPr>
-            <a:picLocks noChangeAspect="1"/>
-          </p:cNvPicPr>
-          <p:nvPr/>
-        </p:nvPicPr>
-        <p:blipFill>
-          <a:blip r:embed="rId8">
-            <a:extLst>
-              <a:ext uri="{28A0092B-C50C-407E-A947-70E740481C1C}">
-                <a14:useLocalDpi xmlns:a14="http://schemas.microsoft.com/office/drawing/2010/main" val="0"/>
-              </a:ext>
-            </a:extLst>
-          </a:blip>
-          <a:srcRect/>
-          <a:stretch>
-            <a:fillRect/>
-          </a:stretch>
-        </p:blipFill>
-        <p:spPr bwMode="auto">
-          <a:xfrm>
-            <a:off x="8040711" y="6189557"/>
-            <a:ext cx="734897" cy="734897"/>
-          </a:xfrm>
-          <a:prstGeom prst="rect">
-            <a:avLst/>
-          </a:prstGeom>
-          <a:noFill/>
-          <a:ln>
-            <a:noFill/>
-          </a:ln>
-        </p:spPr>
-      </p:pic>
-      <p:pic>
-        <p:nvPicPr>
-          <p:cNvPr id="3" name="Imagem 2" descr="O que não pode faltar na ficha de captação de imóveis - Tecimob">
-            <a:extLst>
-              <a:ext uri="{FF2B5EF4-FFF2-40B4-BE49-F238E27FC236}">
-                <a16:creationId xmlns:a16="http://schemas.microsoft.com/office/drawing/2014/main" id="{29AB7BA2-7D11-0032-E73E-4A60253751EF}"/>
               </a:ext>
             </a:extLst>
           </p:cNvPr>
@@ -4560,8 +4492,8 @@
         </p:blipFill>
         <p:spPr bwMode="auto">
           <a:xfrm>
-            <a:off x="8060760" y="7438053"/>
-            <a:ext cx="730250" cy="730250"/>
+            <a:off x="8040711" y="6189557"/>
+            <a:ext cx="734897" cy="734897"/>
           </a:xfrm>
           <a:prstGeom prst="rect">
             <a:avLst/>
@@ -4574,10 +4506,10 @@
       </p:pic>
       <p:pic>
         <p:nvPicPr>
-          <p:cNvPr id="4" name="Imagem 3" descr="Ilustração de troca de mensagens com bolhas de menina, menino e discurso |  Vetor Premium">
+          <p:cNvPr id="3" name="Imagem 2" descr="O que não pode faltar na ficha de captação de imóveis - Tecimob">
             <a:extLst>
               <a:ext uri="{FF2B5EF4-FFF2-40B4-BE49-F238E27FC236}">
-                <a16:creationId xmlns:a16="http://schemas.microsoft.com/office/drawing/2014/main" id="{0D5A9779-4623-4F06-1651-79047AC446BC}"/>
+                <a16:creationId xmlns:a16="http://schemas.microsoft.com/office/drawing/2014/main" id="{29AB7BA2-7D11-0032-E73E-4A60253751EF}"/>
               </a:ext>
             </a:extLst>
           </p:cNvPr>
@@ -4601,8 +4533,8 @@
         </p:blipFill>
         <p:spPr bwMode="auto">
           <a:xfrm>
-            <a:off x="8060760" y="8347848"/>
-            <a:ext cx="915035" cy="412750"/>
+            <a:off x="8060760" y="7438053"/>
+            <a:ext cx="730250" cy="730250"/>
           </a:xfrm>
           <a:prstGeom prst="rect">
             <a:avLst/>
@@ -4615,10 +4547,10 @@
       </p:pic>
       <p:pic>
         <p:nvPicPr>
-          <p:cNvPr id="5" name="Imagem 4" descr="Tela Celular Png Imagens – Download Grátis no Freepik">
+          <p:cNvPr id="4" name="Imagem 3" descr="Ilustração de troca de mensagens com bolhas de menina, menino e discurso |  Vetor Premium">
             <a:extLst>
               <a:ext uri="{FF2B5EF4-FFF2-40B4-BE49-F238E27FC236}">
-                <a16:creationId xmlns:a16="http://schemas.microsoft.com/office/drawing/2014/main" id="{49143BBD-7044-BE7E-939D-0A6B6FCCC26C}"/>
+                <a16:creationId xmlns:a16="http://schemas.microsoft.com/office/drawing/2014/main" id="{0D5A9779-4623-4F06-1651-79047AC446BC}"/>
               </a:ext>
             </a:extLst>
           </p:cNvPr>
@@ -4642,8 +4574,8 @@
         </p:blipFill>
         <p:spPr bwMode="auto">
           <a:xfrm>
-            <a:off x="8060760" y="8882968"/>
-            <a:ext cx="755670" cy="755670"/>
+            <a:off x="8060760" y="8347848"/>
+            <a:ext cx="915035" cy="412750"/>
           </a:xfrm>
           <a:prstGeom prst="rect">
             <a:avLst/>
@@ -4656,10 +4588,10 @@
       </p:pic>
       <p:pic>
         <p:nvPicPr>
-          <p:cNvPr id="9" name="Imagem 8" descr="Uma imagem com texto, captura de ecrã, Tipo de letra, Retângulo&#10;&#10;Descrição gerada automaticamente">
+          <p:cNvPr id="5" name="Imagem 4" descr="Tela Celular Png Imagens – Download Grátis no Freepik">
             <a:extLst>
               <a:ext uri="{FF2B5EF4-FFF2-40B4-BE49-F238E27FC236}">
-                <a16:creationId xmlns:a16="http://schemas.microsoft.com/office/drawing/2014/main" id="{3BC3EB3F-94FF-F184-5F42-FE30FC39DEB6}"/>
+                <a16:creationId xmlns:a16="http://schemas.microsoft.com/office/drawing/2014/main" id="{49143BBD-7044-BE7E-939D-0A6B6FCCC26C}"/>
               </a:ext>
             </a:extLst>
           </p:cNvPr>
@@ -4676,26 +4608,31 @@
               </a:ext>
             </a:extLst>
           </a:blip>
+          <a:srcRect/>
           <a:stretch>
             <a:fillRect/>
           </a:stretch>
         </p:blipFill>
-        <p:spPr>
-          <a:xfrm>
-            <a:off x="12182017" y="12288240"/>
-            <a:ext cx="7801541" cy="4562386"/>
-          </a:xfrm>
-          <a:prstGeom prst="rect">
-            <a:avLst/>
-          </a:prstGeom>
+        <p:spPr bwMode="auto">
+          <a:xfrm>
+            <a:off x="8060760" y="8882968"/>
+            <a:ext cx="755670" cy="755670"/>
+          </a:xfrm>
+          <a:prstGeom prst="rect">
+            <a:avLst/>
+          </a:prstGeom>
+          <a:noFill/>
+          <a:ln>
+            <a:noFill/>
+          </a:ln>
         </p:spPr>
       </p:pic>
       <p:pic>
         <p:nvPicPr>
-          <p:cNvPr id="11" name="Imagem 10" descr="Uma imagem com texto, Tipo de letra, logótipo, círculo&#10;&#10;Descrição gerada automaticamente">
+          <p:cNvPr id="9" name="Imagem 8" descr="Uma imagem com texto, captura de ecrã, Tipo de letra, Retângulo&#10;&#10;Descrição gerada automaticamente">
             <a:extLst>
               <a:ext uri="{FF2B5EF4-FFF2-40B4-BE49-F238E27FC236}">
-                <a16:creationId xmlns:a16="http://schemas.microsoft.com/office/drawing/2014/main" id="{C38368D7-6567-E41A-F84B-5471853ED75C}"/>
+                <a16:creationId xmlns:a16="http://schemas.microsoft.com/office/drawing/2014/main" id="{3BC3EB3F-94FF-F184-5F42-FE30FC39DEB6}"/>
               </a:ext>
             </a:extLst>
           </p:cNvPr>
@@ -4718,8 +4655,44 @@
         </p:blipFill>
         <p:spPr>
           <a:xfrm>
-            <a:off x="1525678" y="23898284"/>
-            <a:ext cx="3773271" cy="3010589"/>
+            <a:off x="12182017" y="12288240"/>
+            <a:ext cx="7801541" cy="4562386"/>
+          </a:xfrm>
+          <a:prstGeom prst="rect">
+            <a:avLst/>
+          </a:prstGeom>
+        </p:spPr>
+      </p:pic>
+      <p:pic>
+        <p:nvPicPr>
+          <p:cNvPr id="11" name="Imagem 10" descr="Uma imagem com texto, Tipo de letra, logótipo, círculo&#10;&#10;Descrição gerada automaticamente">
+            <a:extLst>
+              <a:ext uri="{FF2B5EF4-FFF2-40B4-BE49-F238E27FC236}">
+                <a16:creationId xmlns:a16="http://schemas.microsoft.com/office/drawing/2014/main" id="{C38368D7-6567-E41A-F84B-5471853ED75C}"/>
+              </a:ext>
+            </a:extLst>
+          </p:cNvPr>
+          <p:cNvPicPr>
+            <a:picLocks noChangeAspect="1"/>
+          </p:cNvPicPr>
+          <p:nvPr/>
+        </p:nvPicPr>
+        <p:blipFill>
+          <a:blip r:embed="rId14">
+            <a:extLst>
+              <a:ext uri="{28A0092B-C50C-407E-A947-70E740481C1C}">
+                <a14:useLocalDpi xmlns:a14="http://schemas.microsoft.com/office/drawing/2010/main" val="0"/>
+              </a:ext>
+            </a:extLst>
+          </a:blip>
+          <a:stretch>
+            <a:fillRect/>
+          </a:stretch>
+        </p:blipFill>
+        <p:spPr>
+          <a:xfrm>
+            <a:off x="1825191" y="24137257"/>
+            <a:ext cx="3473758" cy="2771616"/>
           </a:xfrm>
           <a:prstGeom prst="rect">
             <a:avLst/>
@@ -4741,15 +4714,15 @@
           <p:nvPr/>
         </p:nvPicPr>
         <p:blipFill>
-          <a:blip r:embed="rId14"/>
+          <a:blip r:embed="rId15"/>
           <a:stretch>
             <a:fillRect/>
           </a:stretch>
         </p:blipFill>
         <p:spPr>
           <a:xfrm>
-            <a:off x="5845416" y="22595829"/>
-            <a:ext cx="2074974" cy="4228743"/>
+            <a:off x="7613064" y="19261976"/>
+            <a:ext cx="1783367" cy="3634455"/>
           </a:xfrm>
           <a:prstGeom prst="rect">
             <a:avLst/>
@@ -4762,42 +4735,6 @@
             <a:extLst>
               <a:ext uri="{FF2B5EF4-FFF2-40B4-BE49-F238E27FC236}">
                 <a16:creationId xmlns:a16="http://schemas.microsoft.com/office/drawing/2014/main" id="{AF826F48-5D02-A52E-45D1-216C14542D6E}"/>
-              </a:ext>
-            </a:extLst>
-          </p:cNvPr>
-          <p:cNvPicPr>
-            <a:picLocks noChangeAspect="1"/>
-          </p:cNvPicPr>
-          <p:nvPr/>
-        </p:nvPicPr>
-        <p:blipFill>
-          <a:blip r:embed="rId15">
-            <a:extLst>
-              <a:ext uri="{28A0092B-C50C-407E-A947-70E740481C1C}">
-                <a14:useLocalDpi xmlns:a14="http://schemas.microsoft.com/office/drawing/2010/main" val="0"/>
-              </a:ext>
-            </a:extLst>
-          </a:blip>
-          <a:stretch>
-            <a:fillRect/>
-          </a:stretch>
-        </p:blipFill>
-        <p:spPr>
-          <a:xfrm>
-            <a:off x="8668499" y="22612934"/>
-            <a:ext cx="2023313" cy="4214799"/>
-          </a:xfrm>
-          <a:prstGeom prst="rect">
-            <a:avLst/>
-          </a:prstGeom>
-        </p:spPr>
-      </p:pic>
-      <p:pic>
-        <p:nvPicPr>
-          <p:cNvPr id="16" name="Imagem 15" descr="Uma imagem com texto, captura de ecrã, Telemóvel&#10;&#10;Descrição gerada automaticamente">
-            <a:extLst>
-              <a:ext uri="{FF2B5EF4-FFF2-40B4-BE49-F238E27FC236}">
-                <a16:creationId xmlns:a16="http://schemas.microsoft.com/office/drawing/2014/main" id="{7BCE19B5-6E79-3071-5628-514B316488AE}"/>
               </a:ext>
             </a:extLst>
           </p:cNvPr>
@@ -4820,12 +4757,92 @@
         </p:blipFill>
         <p:spPr>
           <a:xfrm>
-            <a:off x="11234057" y="22595829"/>
-            <a:ext cx="2061643" cy="4228742"/>
-          </a:xfrm>
-          <a:prstGeom prst="rect">
-            <a:avLst/>
-          </a:prstGeom>
+            <a:off x="9702854" y="22728222"/>
+            <a:ext cx="1873473" cy="3902665"/>
+          </a:xfrm>
+          <a:prstGeom prst="rect">
+            <a:avLst/>
+          </a:prstGeom>
+        </p:spPr>
+      </p:pic>
+      <p:pic>
+        <p:nvPicPr>
+          <p:cNvPr id="16" name="Imagem 15" descr="Uma imagem com texto, captura de ecrã, Telemóvel&#10;&#10;Descrição gerada automaticamente">
+            <a:extLst>
+              <a:ext uri="{FF2B5EF4-FFF2-40B4-BE49-F238E27FC236}">
+                <a16:creationId xmlns:a16="http://schemas.microsoft.com/office/drawing/2014/main" id="{7BCE19B5-6E79-3071-5628-514B316488AE}"/>
+              </a:ext>
+            </a:extLst>
+          </p:cNvPr>
+          <p:cNvPicPr>
+            <a:picLocks noChangeAspect="1"/>
+          </p:cNvPicPr>
+          <p:nvPr/>
+        </p:nvPicPr>
+        <p:blipFill>
+          <a:blip r:embed="rId17">
+            <a:extLst>
+              <a:ext uri="{28A0092B-C50C-407E-A947-70E740481C1C}">
+                <a14:useLocalDpi xmlns:a14="http://schemas.microsoft.com/office/drawing/2010/main" val="0"/>
+              </a:ext>
+            </a:extLst>
+          </a:blip>
+          <a:stretch>
+            <a:fillRect/>
+          </a:stretch>
+        </p:blipFill>
+        <p:spPr>
+          <a:xfrm>
+            <a:off x="11761008" y="19287947"/>
+            <a:ext cx="1684991" cy="3456172"/>
+          </a:xfrm>
+          <a:prstGeom prst="rect">
+            <a:avLst/>
+          </a:prstGeom>
+        </p:spPr>
+      </p:pic>
+      <p:pic>
+        <p:nvPicPr>
+          <p:cNvPr id="6" name="Imagem 5" descr="A evolução dos preços das casas em Portugal nos últimos três anos">
+            <a:extLst>
+              <a:ext uri="{FF2B5EF4-FFF2-40B4-BE49-F238E27FC236}">
+                <a16:creationId xmlns:a16="http://schemas.microsoft.com/office/drawing/2014/main" id="{7CCE9DB5-B4BE-40C0-D4CE-BA91CBE3D446}"/>
+              </a:ext>
+            </a:extLst>
+          </p:cNvPr>
+          <p:cNvPicPr>
+            <a:picLocks noChangeAspect="1"/>
+          </p:cNvPicPr>
+          <p:nvPr/>
+        </p:nvPicPr>
+        <p:blipFill rotWithShape="1">
+          <a:blip r:embed="rId18">
+            <a:extLst>
+              <a:ext uri="{28A0092B-C50C-407E-A947-70E740481C1C}">
+                <a14:useLocalDpi xmlns:a14="http://schemas.microsoft.com/office/drawing/2010/main" val="0"/>
+              </a:ext>
+            </a:extLst>
+          </a:blip>
+          <a:srcRect l="8431" t="496" r="10321"/>
+          <a:stretch/>
+        </p:blipFill>
+        <p:spPr bwMode="auto">
+          <a:xfrm>
+            <a:off x="1214477" y="12530870"/>
+            <a:ext cx="5890790" cy="3780691"/>
+          </a:xfrm>
+          <a:prstGeom prst="rect">
+            <a:avLst/>
+          </a:prstGeom>
+          <a:noFill/>
+          <a:ln>
+            <a:noFill/>
+          </a:ln>
+          <a:extLst>
+            <a:ext uri="{53640926-AAD7-44D8-BBD7-CCE9431645EC}">
+              <a14:shadowObscured xmlns:a14="http://schemas.microsoft.com/office/drawing/2010/main"/>
+            </a:ext>
+          </a:extLst>
         </p:spPr>
       </p:pic>
     </p:spTree>

--- a/Documents/Grupo13_Poster.pptx
+++ b/Documents/Grupo13_Poster.pptx
@@ -3118,11 +3118,7 @@
           </a:bodyPr>
           <a:lstStyle/>
           <a:p>
-            <a:pPr algn="just">
-              <a:lnSpc>
-                <a:spcPts val="2999"/>
-              </a:lnSpc>
-            </a:pPr>
+            <a:pPr algn="just"/>
             <a:r>
               <a:rPr lang="en-US" sz="2400" b="0" strike="noStrike" spc="-1" dirty="0">
                 <a:solidFill>
@@ -3496,9 +3492,6 @@
           <a:lstStyle/>
           <a:p>
             <a:pPr marL="360" algn="just">
-              <a:lnSpc>
-                <a:spcPts val="2999"/>
-              </a:lnSpc>
               <a:buClr>
                 <a:srgbClr val="004B87"/>
               </a:buClr>
@@ -3515,9 +3508,6 @@
           </a:p>
           <a:p>
             <a:pPr marL="360" algn="just">
-              <a:lnSpc>
-                <a:spcPts val="2999"/>
-              </a:lnSpc>
               <a:buClr>
                 <a:srgbClr val="004B87"/>
               </a:buClr>
@@ -3534,9 +3524,6 @@
           </a:p>
           <a:p>
             <a:pPr marL="360" algn="just">
-              <a:lnSpc>
-                <a:spcPts val="2999"/>
-              </a:lnSpc>
               <a:buClr>
                 <a:srgbClr val="004B87"/>
               </a:buClr>
@@ -3606,11 +3593,7 @@
           </a:bodyPr>
           <a:lstStyle/>
           <a:p>
-            <a:pPr algn="just">
-              <a:lnSpc>
-                <a:spcPts val="2999"/>
-              </a:lnSpc>
-            </a:pPr>
+            <a:pPr algn="just"/>
             <a:r>
               <a:rPr lang="en-US" sz="2400" spc="-1" dirty="0">
                 <a:solidFill>
@@ -3622,11 +3605,7 @@
             </a:r>
           </a:p>
           <a:p>
-            <a:pPr algn="just">
-              <a:lnSpc>
-                <a:spcPts val="2999"/>
-              </a:lnSpc>
-            </a:pPr>
+            <a:pPr algn="just"/>
             <a:r>
               <a:rPr lang="en-US" sz="2400" spc="-1" dirty="0">
                 <a:solidFill>
@@ -4181,7 +4160,7 @@
         <p:spPr>
           <a:xfrm>
             <a:off x="14457600" y="19916280"/>
-            <a:ext cx="5646600" cy="1168097"/>
+            <a:ext cx="5646600" cy="2853174"/>
           </a:xfrm>
           <a:prstGeom prst="rect">
             <a:avLst/>
@@ -4211,7 +4190,7 @@
           <a:p>
             <a:pPr algn="just">
               <a:lnSpc>
-                <a:spcPts val="2100"/>
+                <a:spcPct val="300000"/>
               </a:lnSpc>
             </a:pPr>
             <a:r>
@@ -4222,13 +4201,47 @@
                 <a:latin typeface="Calibri"/>
                 <a:hlinkClick r:id="rId3"/>
               </a:rPr>
-              <a:t>https://www.dinheirovivo.pt/opiniao/a-evolucao-dos-precos-das-casas-em-portugal-nos-ultimos-tres-anos-14067734.html/</a:t>
+              <a:t>https://laravel.com/</a:t>
             </a:r>
             <a:endParaRPr lang="pt-PT" sz="1800" b="0" strike="noStrike" spc="-1" dirty="0">
               <a:solidFill>
                 <a:srgbClr val="004B87"/>
               </a:solidFill>
               <a:latin typeface="Calibri"/>
+            </a:endParaRPr>
+          </a:p>
+          <a:p>
+            <a:pPr algn="just">
+              <a:lnSpc>
+                <a:spcPct val="300000"/>
+              </a:lnSpc>
+            </a:pPr>
+            <a:r>
+              <a:rPr lang="en-US" sz="1800" b="0" strike="noStrike" spc="-1" dirty="0">
+                <a:latin typeface="Arial"/>
+                <a:hlinkClick r:id="rId4"/>
+              </a:rPr>
+              <a:t>https://learn.microsoft.com/en-us/dotnet/csharp/</a:t>
+            </a:r>
+            <a:endParaRPr lang="en-US" sz="1800" b="0" strike="noStrike" spc="-1" dirty="0">
+              <a:latin typeface="Arial"/>
+            </a:endParaRPr>
+          </a:p>
+          <a:p>
+            <a:pPr algn="just">
+              <a:lnSpc>
+                <a:spcPct val="300000"/>
+              </a:lnSpc>
+            </a:pPr>
+            <a:r>
+              <a:rPr lang="en-US" sz="1800" b="0" strike="noStrike" spc="-1" dirty="0">
+                <a:latin typeface="Arial"/>
+                <a:hlinkClick r:id="rId5"/>
+              </a:rPr>
+              <a:t>https://kotlinlang.org/docs/home.html</a:t>
+            </a:r>
+            <a:endParaRPr lang="en-US" sz="1800" b="0" strike="noStrike" spc="-1" dirty="0">
+              <a:latin typeface="Arial"/>
             </a:endParaRPr>
           </a:p>
           <a:p>
@@ -4318,7 +4331,7 @@
                 </a:solidFill>
                 <a:latin typeface="Calibri"/>
                 <a:ea typeface="Arial"/>
-                <a:hlinkClick r:id="rId4"/>
+                <a:hlinkClick r:id="rId6"/>
               </a:rPr>
               <a:t>a18576@alunos.ipca.pt</a:t>
             </a:r>
@@ -4348,7 +4361,7 @@
                   <a:srgbClr val="004B87"/>
                 </a:solidFill>
                 <a:latin typeface="Calibri"/>
-                <a:hlinkClick r:id="rId5"/>
+                <a:hlinkClick r:id="rId7"/>
               </a:rPr>
               <a:t>a18596@alunos.ipca.pt</a:t>
             </a:r>
@@ -4377,7 +4390,7 @@
                   <a:srgbClr val="004B87"/>
                 </a:solidFill>
                 <a:latin typeface="Calibri"/>
-                <a:hlinkClick r:id="rId6"/>
+                <a:hlinkClick r:id="rId8"/>
               </a:rPr>
               <a:t>a21138@alunos.ipca.pt</a:t>
             </a:r>
@@ -4406,7 +4419,7 @@
                   <a:srgbClr val="004B87"/>
                 </a:solidFill>
                 <a:latin typeface="Calibri"/>
-                <a:hlinkClick r:id="rId7"/>
+                <a:hlinkClick r:id="rId9"/>
               </a:rPr>
               <a:t>eboas@ipca.pt</a:t>
             </a:r>
@@ -4435,7 +4448,7 @@
                   <a:srgbClr val="004B87"/>
                 </a:solidFill>
                 <a:latin typeface="Calibri"/>
-                <a:hlinkClick r:id="rId8"/>
+                <a:hlinkClick r:id="rId10"/>
               </a:rPr>
               <a:t>patricialeite@ipca.pt</a:t>
             </a:r>
@@ -4469,88 +4482,6 @@
             <a:extLst>
               <a:ext uri="{FF2B5EF4-FFF2-40B4-BE49-F238E27FC236}">
                 <a16:creationId xmlns:a16="http://schemas.microsoft.com/office/drawing/2014/main" id="{6F9A71BE-846D-8273-8885-12CE64F2BC86}"/>
-              </a:ext>
-            </a:extLst>
-          </p:cNvPr>
-          <p:cNvPicPr>
-            <a:picLocks noChangeAspect="1"/>
-          </p:cNvPicPr>
-          <p:nvPr/>
-        </p:nvPicPr>
-        <p:blipFill>
-          <a:blip r:embed="rId9">
-            <a:extLst>
-              <a:ext uri="{28A0092B-C50C-407E-A947-70E740481C1C}">
-                <a14:useLocalDpi xmlns:a14="http://schemas.microsoft.com/office/drawing/2010/main" val="0"/>
-              </a:ext>
-            </a:extLst>
-          </a:blip>
-          <a:srcRect/>
-          <a:stretch>
-            <a:fillRect/>
-          </a:stretch>
-        </p:blipFill>
-        <p:spPr bwMode="auto">
-          <a:xfrm>
-            <a:off x="8040711" y="6189557"/>
-            <a:ext cx="734897" cy="734897"/>
-          </a:xfrm>
-          <a:prstGeom prst="rect">
-            <a:avLst/>
-          </a:prstGeom>
-          <a:noFill/>
-          <a:ln>
-            <a:noFill/>
-          </a:ln>
-        </p:spPr>
-      </p:pic>
-      <p:pic>
-        <p:nvPicPr>
-          <p:cNvPr id="3" name="Imagem 2" descr="O que não pode faltar na ficha de captação de imóveis - Tecimob">
-            <a:extLst>
-              <a:ext uri="{FF2B5EF4-FFF2-40B4-BE49-F238E27FC236}">
-                <a16:creationId xmlns:a16="http://schemas.microsoft.com/office/drawing/2014/main" id="{29AB7BA2-7D11-0032-E73E-4A60253751EF}"/>
-              </a:ext>
-            </a:extLst>
-          </p:cNvPr>
-          <p:cNvPicPr>
-            <a:picLocks noChangeAspect="1"/>
-          </p:cNvPicPr>
-          <p:nvPr/>
-        </p:nvPicPr>
-        <p:blipFill>
-          <a:blip r:embed="rId10">
-            <a:extLst>
-              <a:ext uri="{28A0092B-C50C-407E-A947-70E740481C1C}">
-                <a14:useLocalDpi xmlns:a14="http://schemas.microsoft.com/office/drawing/2010/main" val="0"/>
-              </a:ext>
-            </a:extLst>
-          </a:blip>
-          <a:srcRect/>
-          <a:stretch>
-            <a:fillRect/>
-          </a:stretch>
-        </p:blipFill>
-        <p:spPr bwMode="auto">
-          <a:xfrm>
-            <a:off x="8060760" y="7438053"/>
-            <a:ext cx="730250" cy="730250"/>
-          </a:xfrm>
-          <a:prstGeom prst="rect">
-            <a:avLst/>
-          </a:prstGeom>
-          <a:noFill/>
-          <a:ln>
-            <a:noFill/>
-          </a:ln>
-        </p:spPr>
-      </p:pic>
-      <p:pic>
-        <p:nvPicPr>
-          <p:cNvPr id="4" name="Imagem 3" descr="Ilustração de troca de mensagens com bolhas de menina, menino e discurso |  Vetor Premium">
-            <a:extLst>
-              <a:ext uri="{FF2B5EF4-FFF2-40B4-BE49-F238E27FC236}">
-                <a16:creationId xmlns:a16="http://schemas.microsoft.com/office/drawing/2014/main" id="{0D5A9779-4623-4F06-1651-79047AC446BC}"/>
               </a:ext>
             </a:extLst>
           </p:cNvPr>
@@ -4574,8 +4505,8 @@
         </p:blipFill>
         <p:spPr bwMode="auto">
           <a:xfrm>
-            <a:off x="8060760" y="8347848"/>
-            <a:ext cx="915035" cy="412750"/>
+            <a:off x="8040711" y="6189557"/>
+            <a:ext cx="734897" cy="734897"/>
           </a:xfrm>
           <a:prstGeom prst="rect">
             <a:avLst/>
@@ -4588,10 +4519,10 @@
       </p:pic>
       <p:pic>
         <p:nvPicPr>
-          <p:cNvPr id="5" name="Imagem 4" descr="Tela Celular Png Imagens – Download Grátis no Freepik">
+          <p:cNvPr id="3" name="Imagem 2" descr="O que não pode faltar na ficha de captação de imóveis - Tecimob">
             <a:extLst>
               <a:ext uri="{FF2B5EF4-FFF2-40B4-BE49-F238E27FC236}">
-                <a16:creationId xmlns:a16="http://schemas.microsoft.com/office/drawing/2014/main" id="{49143BBD-7044-BE7E-939D-0A6B6FCCC26C}"/>
+                <a16:creationId xmlns:a16="http://schemas.microsoft.com/office/drawing/2014/main" id="{29AB7BA2-7D11-0032-E73E-4A60253751EF}"/>
               </a:ext>
             </a:extLst>
           </p:cNvPr>
@@ -4615,6 +4546,88 @@
         </p:blipFill>
         <p:spPr bwMode="auto">
           <a:xfrm>
+            <a:off x="8060760" y="7438053"/>
+            <a:ext cx="730250" cy="730250"/>
+          </a:xfrm>
+          <a:prstGeom prst="rect">
+            <a:avLst/>
+          </a:prstGeom>
+          <a:noFill/>
+          <a:ln>
+            <a:noFill/>
+          </a:ln>
+        </p:spPr>
+      </p:pic>
+      <p:pic>
+        <p:nvPicPr>
+          <p:cNvPr id="4" name="Imagem 3" descr="Ilustração de troca de mensagens com bolhas de menina, menino e discurso |  Vetor Premium">
+            <a:extLst>
+              <a:ext uri="{FF2B5EF4-FFF2-40B4-BE49-F238E27FC236}">
+                <a16:creationId xmlns:a16="http://schemas.microsoft.com/office/drawing/2014/main" id="{0D5A9779-4623-4F06-1651-79047AC446BC}"/>
+              </a:ext>
+            </a:extLst>
+          </p:cNvPr>
+          <p:cNvPicPr>
+            <a:picLocks noChangeAspect="1"/>
+          </p:cNvPicPr>
+          <p:nvPr/>
+        </p:nvPicPr>
+        <p:blipFill>
+          <a:blip r:embed="rId13">
+            <a:extLst>
+              <a:ext uri="{28A0092B-C50C-407E-A947-70E740481C1C}">
+                <a14:useLocalDpi xmlns:a14="http://schemas.microsoft.com/office/drawing/2010/main" val="0"/>
+              </a:ext>
+            </a:extLst>
+          </a:blip>
+          <a:srcRect/>
+          <a:stretch>
+            <a:fillRect/>
+          </a:stretch>
+        </p:blipFill>
+        <p:spPr bwMode="auto">
+          <a:xfrm>
+            <a:off x="8060760" y="8347848"/>
+            <a:ext cx="915035" cy="412750"/>
+          </a:xfrm>
+          <a:prstGeom prst="rect">
+            <a:avLst/>
+          </a:prstGeom>
+          <a:noFill/>
+          <a:ln>
+            <a:noFill/>
+          </a:ln>
+        </p:spPr>
+      </p:pic>
+      <p:pic>
+        <p:nvPicPr>
+          <p:cNvPr id="5" name="Imagem 4" descr="Tela Celular Png Imagens – Download Grátis no Freepik">
+            <a:extLst>
+              <a:ext uri="{FF2B5EF4-FFF2-40B4-BE49-F238E27FC236}">
+                <a16:creationId xmlns:a16="http://schemas.microsoft.com/office/drawing/2014/main" id="{49143BBD-7044-BE7E-939D-0A6B6FCCC26C}"/>
+              </a:ext>
+            </a:extLst>
+          </p:cNvPr>
+          <p:cNvPicPr>
+            <a:picLocks noChangeAspect="1"/>
+          </p:cNvPicPr>
+          <p:nvPr/>
+        </p:nvPicPr>
+        <p:blipFill>
+          <a:blip r:embed="rId14">
+            <a:extLst>
+              <a:ext uri="{28A0092B-C50C-407E-A947-70E740481C1C}">
+                <a14:useLocalDpi xmlns:a14="http://schemas.microsoft.com/office/drawing/2010/main" val="0"/>
+              </a:ext>
+            </a:extLst>
+          </a:blip>
+          <a:srcRect/>
+          <a:stretch>
+            <a:fillRect/>
+          </a:stretch>
+        </p:blipFill>
+        <p:spPr bwMode="auto">
+          <a:xfrm>
             <a:off x="8060760" y="8882968"/>
             <a:ext cx="755670" cy="755670"/>
           </a:xfrm>
@@ -4642,7 +4655,7 @@
           <p:nvPr/>
         </p:nvPicPr>
         <p:blipFill>
-          <a:blip r:embed="rId13">
+          <a:blip r:embed="rId15">
             <a:extLst>
               <a:ext uri="{28A0092B-C50C-407E-A947-70E740481C1C}">
                 <a14:useLocalDpi xmlns:a14="http://schemas.microsoft.com/office/drawing/2010/main" val="0"/>
@@ -4669,72 +4682,6 @@
             <a:extLst>
               <a:ext uri="{FF2B5EF4-FFF2-40B4-BE49-F238E27FC236}">
                 <a16:creationId xmlns:a16="http://schemas.microsoft.com/office/drawing/2014/main" id="{C38368D7-6567-E41A-F84B-5471853ED75C}"/>
-              </a:ext>
-            </a:extLst>
-          </p:cNvPr>
-          <p:cNvPicPr>
-            <a:picLocks noChangeAspect="1"/>
-          </p:cNvPicPr>
-          <p:nvPr/>
-        </p:nvPicPr>
-        <p:blipFill>
-          <a:blip r:embed="rId14">
-            <a:extLst>
-              <a:ext uri="{28A0092B-C50C-407E-A947-70E740481C1C}">
-                <a14:useLocalDpi xmlns:a14="http://schemas.microsoft.com/office/drawing/2010/main" val="0"/>
-              </a:ext>
-            </a:extLst>
-          </a:blip>
-          <a:stretch>
-            <a:fillRect/>
-          </a:stretch>
-        </p:blipFill>
-        <p:spPr>
-          <a:xfrm>
-            <a:off x="1825191" y="24137257"/>
-            <a:ext cx="3473758" cy="2771616"/>
-          </a:xfrm>
-          <a:prstGeom prst="rect">
-            <a:avLst/>
-          </a:prstGeom>
-        </p:spPr>
-      </p:pic>
-      <p:pic>
-        <p:nvPicPr>
-          <p:cNvPr id="12" name="Imagem 11">
-            <a:extLst>
-              <a:ext uri="{FF2B5EF4-FFF2-40B4-BE49-F238E27FC236}">
-                <a16:creationId xmlns:a16="http://schemas.microsoft.com/office/drawing/2014/main" id="{18900C67-AF9C-9E19-705F-A2F0F6DCFD5C}"/>
-              </a:ext>
-            </a:extLst>
-          </p:cNvPr>
-          <p:cNvPicPr>
-            <a:picLocks noChangeAspect="1"/>
-          </p:cNvPicPr>
-          <p:nvPr/>
-        </p:nvPicPr>
-        <p:blipFill>
-          <a:blip r:embed="rId15"/>
-          <a:stretch>
-            <a:fillRect/>
-          </a:stretch>
-        </p:blipFill>
-        <p:spPr>
-          <a:xfrm>
-            <a:off x="7613064" y="19261976"/>
-            <a:ext cx="1783367" cy="3634455"/>
-          </a:xfrm>
-          <a:prstGeom prst="rect">
-            <a:avLst/>
-          </a:prstGeom>
-        </p:spPr>
-      </p:pic>
-      <p:pic>
-        <p:nvPicPr>
-          <p:cNvPr id="14" name="Imagem 13" descr="Uma imagem com texto, céu, nuvem, captura de ecrã&#10;&#10;Descrição gerada automaticamente">
-            <a:extLst>
-              <a:ext uri="{FF2B5EF4-FFF2-40B4-BE49-F238E27FC236}">
-                <a16:creationId xmlns:a16="http://schemas.microsoft.com/office/drawing/2014/main" id="{AF826F48-5D02-A52E-45D1-216C14542D6E}"/>
               </a:ext>
             </a:extLst>
           </p:cNvPr>
@@ -4757,6 +4704,72 @@
         </p:blipFill>
         <p:spPr>
           <a:xfrm>
+            <a:off x="1825191" y="24137257"/>
+            <a:ext cx="3473758" cy="2771616"/>
+          </a:xfrm>
+          <a:prstGeom prst="rect">
+            <a:avLst/>
+          </a:prstGeom>
+        </p:spPr>
+      </p:pic>
+      <p:pic>
+        <p:nvPicPr>
+          <p:cNvPr id="12" name="Imagem 11">
+            <a:extLst>
+              <a:ext uri="{FF2B5EF4-FFF2-40B4-BE49-F238E27FC236}">
+                <a16:creationId xmlns:a16="http://schemas.microsoft.com/office/drawing/2014/main" id="{18900C67-AF9C-9E19-705F-A2F0F6DCFD5C}"/>
+              </a:ext>
+            </a:extLst>
+          </p:cNvPr>
+          <p:cNvPicPr>
+            <a:picLocks noChangeAspect="1"/>
+          </p:cNvPicPr>
+          <p:nvPr/>
+        </p:nvPicPr>
+        <p:blipFill>
+          <a:blip r:embed="rId17"/>
+          <a:stretch>
+            <a:fillRect/>
+          </a:stretch>
+        </p:blipFill>
+        <p:spPr>
+          <a:xfrm>
+            <a:off x="7613064" y="19261976"/>
+            <a:ext cx="1783367" cy="3634455"/>
+          </a:xfrm>
+          <a:prstGeom prst="rect">
+            <a:avLst/>
+          </a:prstGeom>
+        </p:spPr>
+      </p:pic>
+      <p:pic>
+        <p:nvPicPr>
+          <p:cNvPr id="14" name="Imagem 13" descr="Uma imagem com texto, céu, nuvem, captura de ecrã&#10;&#10;Descrição gerada automaticamente">
+            <a:extLst>
+              <a:ext uri="{FF2B5EF4-FFF2-40B4-BE49-F238E27FC236}">
+                <a16:creationId xmlns:a16="http://schemas.microsoft.com/office/drawing/2014/main" id="{AF826F48-5D02-A52E-45D1-216C14542D6E}"/>
+              </a:ext>
+            </a:extLst>
+          </p:cNvPr>
+          <p:cNvPicPr>
+            <a:picLocks noChangeAspect="1"/>
+          </p:cNvPicPr>
+          <p:nvPr/>
+        </p:nvPicPr>
+        <p:blipFill>
+          <a:blip r:embed="rId18">
+            <a:extLst>
+              <a:ext uri="{28A0092B-C50C-407E-A947-70E740481C1C}">
+                <a14:useLocalDpi xmlns:a14="http://schemas.microsoft.com/office/drawing/2010/main" val="0"/>
+              </a:ext>
+            </a:extLst>
+          </a:blip>
+          <a:stretch>
+            <a:fillRect/>
+          </a:stretch>
+        </p:blipFill>
+        <p:spPr>
+          <a:xfrm>
             <a:off x="9702854" y="22728222"/>
             <a:ext cx="1873473" cy="3902665"/>
           </a:xfrm>
@@ -4780,7 +4793,7 @@
           <p:nvPr/>
         </p:nvPicPr>
         <p:blipFill>
-          <a:blip r:embed="rId17">
+          <a:blip r:embed="rId19">
             <a:extLst>
               <a:ext uri="{28A0092B-C50C-407E-A947-70E740481C1C}">
                 <a14:useLocalDpi xmlns:a14="http://schemas.microsoft.com/office/drawing/2010/main" val="0"/>
@@ -4816,7 +4829,7 @@
           <p:nvPr/>
         </p:nvPicPr>
         <p:blipFill rotWithShape="1">
-          <a:blip r:embed="rId18">
+          <a:blip r:embed="rId20">
             <a:extLst>
               <a:ext uri="{28A0092B-C50C-407E-A947-70E740481C1C}">
                 <a14:useLocalDpi xmlns:a14="http://schemas.microsoft.com/office/drawing/2010/main" val="0"/>
